--- a/интенсив3.pptx
+++ b/интенсив3.pptx
@@ -25,16 +25,17 @@
     <p:sldId id="269" r:id="rId19"/>
     <p:sldId id="270" r:id="rId20"/>
     <p:sldId id="271" r:id="rId21"/>
+    <p:sldId id="272" r:id="rId22"/>
   </p:sldIdLst>
   <p:sldSz cy="13716000" cx="24384000"/>
   <p:notesSz cx="13716000" cy="24384000"/>
   <p:embeddedFontLst>
     <p:embeddedFont>
       <p:font typeface="Helvetica Neue"/>
-      <p:regular r:id="rId22"/>
-      <p:bold r:id="rId23"/>
-      <p:italic r:id="rId24"/>
-      <p:boldItalic r:id="rId25"/>
+      <p:regular r:id="rId23"/>
+      <p:bold r:id="rId24"/>
+      <p:italic r:id="rId25"/>
+      <p:boldItalic r:id="rId26"/>
     </p:embeddedFont>
   </p:embeddedFontLst>
   <p:defaultTextStyle>
@@ -268,7 +269,7 @@
   </p:defaultTextStyle>
   <p:extLst>
     <p:ext uri="GoogleSlidesCustomDataVersion2">
-      <go:slidesCustomData xmlns:go="http://customooxmlschemas.google.com/" r:id="rId26" roundtripDataSignature="AMtx7mjfAbZJOGgy7A5FqZa9Mc7NbQhTvw=="/>
+      <go:slidesCustomData xmlns:go="http://customooxmlschemas.google.com/" r:id="rId27" roundtripDataSignature="AMtx7mg5oergsilUbnzivq07IfnniGImvA=="/>
     </p:ext>
   </p:extLst>
 </p:presentation>
@@ -1115,46 +1116,7 @@
       </p:grpSpPr>
       <p:sp>
         <p:nvSpPr>
-          <p:cNvPr id="268" name="Google Shape;268;p16:notes"/>
-          <p:cNvSpPr txBox="1"/>
-          <p:nvPr>
-            <p:ph idx="1" type="body"/>
-          </p:nvPr>
-        </p:nvSpPr>
-        <p:spPr>
-          <a:xfrm>
-            <a:off x="1371600" y="11582400"/>
-            <a:ext cx="10972800" cy="10972800"/>
-          </a:xfrm>
-          <a:prstGeom prst="rect">
-            <a:avLst/>
-          </a:prstGeom>
-        </p:spPr>
-        <p:txBody>
-          <a:bodyPr anchorCtr="0" anchor="t" bIns="91425" lIns="91425" spcFirstLastPara="1" rIns="91425" wrap="square" tIns="91425">
-            <a:noAutofit/>
-          </a:bodyPr>
-          <a:lstStyle/>
-          <a:p>
-            <a:pPr indent="0" lvl="0" marL="0" rtl="0" algn="l">
-              <a:spcBef>
-                <a:spcPts val="0"/>
-              </a:spcBef>
-              <a:spcAft>
-                <a:spcPts val="0"/>
-              </a:spcAft>
-              <a:buNone/>
-            </a:pPr>
-            <a:r>
-              <a:t/>
-            </a:r>
-            <a:endParaRPr/>
-          </a:p>
-        </p:txBody>
-      </p:sp>
-      <p:sp>
-        <p:nvSpPr>
-          <p:cNvPr id="269" name="Google Shape;269;p16:notes"/>
+          <p:cNvPr id="268" name="Google Shape;268;g33b516309a9_0_4:notes"/>
           <p:cNvSpPr/>
           <p:nvPr>
             <p:ph idx="2" type="sldImg"/>
@@ -1163,7 +1125,7 @@
         <p:spPr>
           <a:xfrm>
             <a:off x="2286450" y="1828800"/>
-            <a:ext cx="9144450" cy="9144000"/>
+            <a:ext cx="9144600" cy="9144000"/>
           </a:xfrm>
           <a:custGeom>
             <a:rect b="b" l="l" r="r" t="t"/>
@@ -1187,34 +1149,9 @@
           </a:custGeom>
         </p:spPr>
       </p:sp>
-    </p:spTree>
-  </p:cSld>
-  <p:clrMapOvr>
-    <a:masterClrMapping/>
-  </p:clrMapOvr>
-</p:notes>
-</file>
-
-<file path=ppt/notesSlides/notesSlide14.xml><?xml version="1.0" encoding="utf-8"?>
-<p:notes xmlns:a="http://schemas.openxmlformats.org/drawingml/2006/main" xmlns:r="http://schemas.openxmlformats.org/officeDocument/2006/relationships" xmlns:mc="http://schemas.openxmlformats.org/markup-compatibility/2006" xmlns:mv="urn:schemas-microsoft-com:mac:vml" xmlns:p="http://schemas.openxmlformats.org/presentationml/2006/main" xmlns:c="http://schemas.openxmlformats.org/drawingml/2006/chart" xmlns:dgm="http://schemas.openxmlformats.org/drawingml/2006/diagram" xmlns:o="urn:schemas-microsoft-com:office:office" xmlns:v="urn:schemas-microsoft-com:vml" xmlns:pvml="urn:schemas-microsoft-com:office:powerpoint" xmlns:com="http://schemas.openxmlformats.org/drawingml/2006/compatibility" xmlns:p14="http://schemas.microsoft.com/office/powerpoint/2010/main" xmlns:p15="http://schemas.microsoft.com/office/powerpoint/2012/main" xmlns:ahyp="http://schemas.microsoft.com/office/drawing/2018/hyperlinkcolor" showMasterPhAnim="0" showMasterSp="0">
-  <p:cSld>
-    <p:spTree>
-      <p:nvGrpSpPr>
-        <p:cNvPr id="277" name="Shape 277"/>
-        <p:cNvGrpSpPr/>
-        <p:nvPr/>
-      </p:nvGrpSpPr>
-      <p:grpSpPr>
-        <a:xfrm>
-          <a:off x="0" y="0"/>
-          <a:ext cx="0" cy="0"/>
-          <a:chOff x="0" y="0"/>
-          <a:chExt cx="0" cy="0"/>
-        </a:xfrm>
-      </p:grpSpPr>
       <p:sp>
         <p:nvSpPr>
-          <p:cNvPr id="278" name="Google Shape;278;p17:notes"/>
+          <p:cNvPr id="269" name="Google Shape;269;g33b516309a9_0_4:notes"/>
           <p:cNvSpPr txBox="1"/>
           <p:nvPr>
             <p:ph idx="1" type="body"/>
@@ -1251,9 +1188,73 @@
           </a:p>
         </p:txBody>
       </p:sp>
+    </p:spTree>
+  </p:cSld>
+  <p:clrMapOvr>
+    <a:masterClrMapping/>
+  </p:clrMapOvr>
+</p:notes>
+</file>
+
+<file path=ppt/notesSlides/notesSlide14.xml><?xml version="1.0" encoding="utf-8"?>
+<p:notes xmlns:a="http://schemas.openxmlformats.org/drawingml/2006/main" xmlns:r="http://schemas.openxmlformats.org/officeDocument/2006/relationships" xmlns:mc="http://schemas.openxmlformats.org/markup-compatibility/2006" xmlns:mv="urn:schemas-microsoft-com:mac:vml" xmlns:p="http://schemas.openxmlformats.org/presentationml/2006/main" xmlns:c="http://schemas.openxmlformats.org/drawingml/2006/chart" xmlns:dgm="http://schemas.openxmlformats.org/drawingml/2006/diagram" xmlns:o="urn:schemas-microsoft-com:office:office" xmlns:v="urn:schemas-microsoft-com:vml" xmlns:pvml="urn:schemas-microsoft-com:office:powerpoint" xmlns:com="http://schemas.openxmlformats.org/drawingml/2006/compatibility" xmlns:p14="http://schemas.microsoft.com/office/powerpoint/2010/main" xmlns:p15="http://schemas.microsoft.com/office/powerpoint/2012/main" xmlns:ahyp="http://schemas.microsoft.com/office/drawing/2018/hyperlinkcolor" showMasterPhAnim="0" showMasterSp="0">
+  <p:cSld>
+    <p:spTree>
+      <p:nvGrpSpPr>
+        <p:cNvPr id="272" name="Shape 272"/>
+        <p:cNvGrpSpPr/>
+        <p:nvPr/>
+      </p:nvGrpSpPr>
+      <p:grpSpPr>
+        <a:xfrm>
+          <a:off x="0" y="0"/>
+          <a:ext cx="0" cy="0"/>
+          <a:chOff x="0" y="0"/>
+          <a:chExt cx="0" cy="0"/>
+        </a:xfrm>
+      </p:grpSpPr>
       <p:sp>
         <p:nvSpPr>
-          <p:cNvPr id="279" name="Google Shape;279;p17:notes"/>
+          <p:cNvPr id="273" name="Google Shape;273;p16:notes"/>
+          <p:cNvSpPr txBox="1"/>
+          <p:nvPr>
+            <p:ph idx="1" type="body"/>
+          </p:nvPr>
+        </p:nvSpPr>
+        <p:spPr>
+          <a:xfrm>
+            <a:off x="1371600" y="11582400"/>
+            <a:ext cx="10972800" cy="10972800"/>
+          </a:xfrm>
+          <a:prstGeom prst="rect">
+            <a:avLst/>
+          </a:prstGeom>
+        </p:spPr>
+        <p:txBody>
+          <a:bodyPr anchorCtr="0" anchor="t" bIns="91425" lIns="91425" spcFirstLastPara="1" rIns="91425" wrap="square" tIns="91425">
+            <a:noAutofit/>
+          </a:bodyPr>
+          <a:lstStyle/>
+          <a:p>
+            <a:pPr indent="0" lvl="0" marL="0" rtl="0" algn="l">
+              <a:spcBef>
+                <a:spcPts val="0"/>
+              </a:spcBef>
+              <a:spcAft>
+                <a:spcPts val="0"/>
+              </a:spcAft>
+              <a:buNone/>
+            </a:pPr>
+            <a:r>
+              <a:t/>
+            </a:r>
+            <a:endParaRPr/>
+          </a:p>
+        </p:txBody>
+      </p:sp>
+      <p:sp>
+        <p:nvSpPr>
+          <p:cNvPr id="274" name="Google Shape;274;p16:notes"/>
           <p:cNvSpPr/>
           <p:nvPr>
             <p:ph idx="2" type="sldImg"/>
@@ -1299,7 +1300,7 @@
   <p:cSld>
     <p:spTree>
       <p:nvGrpSpPr>
-        <p:cNvPr id="283" name="Shape 283"/>
+        <p:cNvPr id="282" name="Shape 282"/>
         <p:cNvGrpSpPr/>
         <p:nvPr/>
       </p:nvGrpSpPr>
@@ -1313,7 +1314,7 @@
       </p:grpSpPr>
       <p:sp>
         <p:nvSpPr>
-          <p:cNvPr id="284" name="Google Shape;284;p18:notes"/>
+          <p:cNvPr id="283" name="Google Shape;283;p17:notes"/>
           <p:cNvSpPr txBox="1"/>
           <p:nvPr>
             <p:ph idx="1" type="body"/>
@@ -1352,7 +1353,7 @@
       </p:sp>
       <p:sp>
         <p:nvSpPr>
-          <p:cNvPr id="285" name="Google Shape;285;p18:notes"/>
+          <p:cNvPr id="284" name="Google Shape;284;p17:notes"/>
           <p:cNvSpPr/>
           <p:nvPr>
             <p:ph idx="2" type="sldImg"/>
@@ -1398,7 +1399,7 @@
   <p:cSld>
     <p:spTree>
       <p:nvGrpSpPr>
-        <p:cNvPr id="289" name="Shape 289"/>
+        <p:cNvPr id="288" name="Shape 288"/>
         <p:cNvGrpSpPr/>
         <p:nvPr/>
       </p:nvGrpSpPr>
@@ -1412,7 +1413,7 @@
       </p:grpSpPr>
       <p:sp>
         <p:nvSpPr>
-          <p:cNvPr id="290" name="Google Shape;290;p19:notes"/>
+          <p:cNvPr id="289" name="Google Shape;289;p18:notes"/>
           <p:cNvSpPr txBox="1"/>
           <p:nvPr>
             <p:ph idx="1" type="body"/>
@@ -1451,7 +1452,106 @@
       </p:sp>
       <p:sp>
         <p:nvSpPr>
-          <p:cNvPr id="291" name="Google Shape;291;p19:notes"/>
+          <p:cNvPr id="290" name="Google Shape;290;p18:notes"/>
+          <p:cNvSpPr/>
+          <p:nvPr>
+            <p:ph idx="2" type="sldImg"/>
+          </p:nvPr>
+        </p:nvSpPr>
+        <p:spPr>
+          <a:xfrm>
+            <a:off x="2286450" y="1828800"/>
+            <a:ext cx="9144450" cy="9144000"/>
+          </a:xfrm>
+          <a:custGeom>
+            <a:rect b="b" l="l" r="r" t="t"/>
+            <a:pathLst>
+              <a:path extrusionOk="0" h="120000" w="120000">
+                <a:moveTo>
+                  <a:pt x="0" y="0"/>
+                </a:moveTo>
+                <a:lnTo>
+                  <a:pt x="120000" y="0"/>
+                </a:lnTo>
+                <a:lnTo>
+                  <a:pt x="120000" y="120000"/>
+                </a:lnTo>
+                <a:lnTo>
+                  <a:pt x="0" y="120000"/>
+                </a:lnTo>
+                <a:close/>
+              </a:path>
+            </a:pathLst>
+          </a:custGeom>
+        </p:spPr>
+      </p:sp>
+    </p:spTree>
+  </p:cSld>
+  <p:clrMapOvr>
+    <a:masterClrMapping/>
+  </p:clrMapOvr>
+</p:notes>
+</file>
+
+<file path=ppt/notesSlides/notesSlide17.xml><?xml version="1.0" encoding="utf-8"?>
+<p:notes xmlns:a="http://schemas.openxmlformats.org/drawingml/2006/main" xmlns:r="http://schemas.openxmlformats.org/officeDocument/2006/relationships" xmlns:mc="http://schemas.openxmlformats.org/markup-compatibility/2006" xmlns:mv="urn:schemas-microsoft-com:mac:vml" xmlns:p="http://schemas.openxmlformats.org/presentationml/2006/main" xmlns:c="http://schemas.openxmlformats.org/drawingml/2006/chart" xmlns:dgm="http://schemas.openxmlformats.org/drawingml/2006/diagram" xmlns:o="urn:schemas-microsoft-com:office:office" xmlns:v="urn:schemas-microsoft-com:vml" xmlns:pvml="urn:schemas-microsoft-com:office:powerpoint" xmlns:com="http://schemas.openxmlformats.org/drawingml/2006/compatibility" xmlns:p14="http://schemas.microsoft.com/office/powerpoint/2010/main" xmlns:p15="http://schemas.microsoft.com/office/powerpoint/2012/main" xmlns:ahyp="http://schemas.microsoft.com/office/drawing/2018/hyperlinkcolor" showMasterPhAnim="0" showMasterSp="0">
+  <p:cSld>
+    <p:spTree>
+      <p:nvGrpSpPr>
+        <p:cNvPr id="294" name="Shape 294"/>
+        <p:cNvGrpSpPr/>
+        <p:nvPr/>
+      </p:nvGrpSpPr>
+      <p:grpSpPr>
+        <a:xfrm>
+          <a:off x="0" y="0"/>
+          <a:ext cx="0" cy="0"/>
+          <a:chOff x="0" y="0"/>
+          <a:chExt cx="0" cy="0"/>
+        </a:xfrm>
+      </p:grpSpPr>
+      <p:sp>
+        <p:nvSpPr>
+          <p:cNvPr id="295" name="Google Shape;295;p19:notes"/>
+          <p:cNvSpPr txBox="1"/>
+          <p:nvPr>
+            <p:ph idx="1" type="body"/>
+          </p:nvPr>
+        </p:nvSpPr>
+        <p:spPr>
+          <a:xfrm>
+            <a:off x="1371600" y="11582400"/>
+            <a:ext cx="10972800" cy="10972800"/>
+          </a:xfrm>
+          <a:prstGeom prst="rect">
+            <a:avLst/>
+          </a:prstGeom>
+        </p:spPr>
+        <p:txBody>
+          <a:bodyPr anchorCtr="0" anchor="t" bIns="91425" lIns="91425" spcFirstLastPara="1" rIns="91425" wrap="square" tIns="91425">
+            <a:noAutofit/>
+          </a:bodyPr>
+          <a:lstStyle/>
+          <a:p>
+            <a:pPr indent="0" lvl="0" marL="0" rtl="0" algn="l">
+              <a:spcBef>
+                <a:spcPts val="0"/>
+              </a:spcBef>
+              <a:spcAft>
+                <a:spcPts val="0"/>
+              </a:spcAft>
+              <a:buNone/>
+            </a:pPr>
+            <a:r>
+              <a:t/>
+            </a:r>
+            <a:endParaRPr/>
+          </a:p>
+        </p:txBody>
+      </p:sp>
+      <p:sp>
+        <p:nvSpPr>
+          <p:cNvPr id="296" name="Google Shape;296;p19:notes"/>
           <p:cNvSpPr/>
           <p:nvPr>
             <p:ph idx="2" type="sldImg"/>
@@ -25686,7 +25786,7 @@
         <p:spPr>
           <a:xfrm>
             <a:off x="1569612" y="10993143"/>
-            <a:ext cx="9229049" cy="779381"/>
+            <a:ext cx="9228900" cy="769500"/>
           </a:xfrm>
           <a:prstGeom prst="rect">
             <a:avLst/>
@@ -25726,7 +25826,7 @@
                 <a:cs typeface="Helvetica Neue"/>
                 <a:sym typeface="Helvetica Neue"/>
               </a:rPr>
-              <a:t>ГБПОУ МО «Физ-тех колледж»</a:t>
+              <a:t>ГБПОУ МО «Физтех колледж»</a:t>
             </a:r>
             <a:endParaRPr b="0" i="0" sz="4400" u="none" cap="none" strike="noStrike">
               <a:solidFill>
@@ -26142,9 +26242,62 @@
           <a:chExt cx="0" cy="0"/>
         </a:xfrm>
       </p:grpSpPr>
+      <p:pic>
+        <p:nvPicPr>
+          <p:cNvPr id="271" name="Google Shape;271;g33b516309a9_0_4"/>
+          <p:cNvPicPr preferRelativeResize="0"/>
+          <p:nvPr/>
+        </p:nvPicPr>
+        <p:blipFill>
+          <a:blip r:embed="rId3">
+            <a:alphaModFix/>
+          </a:blip>
+          <a:stretch>
+            <a:fillRect/>
+          </a:stretch>
+        </p:blipFill>
+        <p:spPr>
+          <a:xfrm>
+            <a:off x="4363050" y="1017374"/>
+            <a:ext cx="15657875" cy="11681250"/>
+          </a:xfrm>
+          <a:prstGeom prst="rect">
+            <a:avLst/>
+          </a:prstGeom>
+          <a:noFill/>
+          <a:ln>
+            <a:noFill/>
+          </a:ln>
+        </p:spPr>
+      </p:pic>
+    </p:spTree>
+  </p:cSld>
+  <p:clrMapOvr>
+    <a:masterClrMapping/>
+  </p:clrMapOvr>
+</p:sld>
+</file>
+
+<file path=ppt/slides/slide14.xml><?xml version="1.0" encoding="utf-8"?>
+<p:sld xmlns:a="http://schemas.openxmlformats.org/drawingml/2006/main" xmlns:r="http://schemas.openxmlformats.org/officeDocument/2006/relationships" xmlns:mc="http://schemas.openxmlformats.org/markup-compatibility/2006" xmlns:mv="urn:schemas-microsoft-com:mac:vml" xmlns:p="http://schemas.openxmlformats.org/presentationml/2006/main" xmlns:c="http://schemas.openxmlformats.org/drawingml/2006/chart" xmlns:dgm="http://schemas.openxmlformats.org/drawingml/2006/diagram" xmlns:o="urn:schemas-microsoft-com:office:office" xmlns:v="urn:schemas-microsoft-com:vml" xmlns:pvml="urn:schemas-microsoft-com:office:powerpoint" xmlns:com="http://schemas.openxmlformats.org/drawingml/2006/compatibility" xmlns:p14="http://schemas.microsoft.com/office/powerpoint/2010/main" xmlns:p15="http://schemas.microsoft.com/office/powerpoint/2012/main" xmlns:ahyp="http://schemas.microsoft.com/office/drawing/2018/hyperlinkcolor">
+  <p:cSld>
+    <p:spTree>
+      <p:nvGrpSpPr>
+        <p:cNvPr id="275" name="Shape 275"/>
+        <p:cNvGrpSpPr/>
+        <p:nvPr/>
+      </p:nvGrpSpPr>
+      <p:grpSpPr>
+        <a:xfrm>
+          <a:off x="0" y="0"/>
+          <a:ext cx="0" cy="0"/>
+          <a:chOff x="0" y="0"/>
+          <a:chExt cx="0" cy="0"/>
+        </a:xfrm>
+      </p:grpSpPr>
       <p:sp>
         <p:nvSpPr>
-          <p:cNvPr id="271" name="Google Shape;271;p16"/>
+          <p:cNvPr id="276" name="Google Shape;276;p16"/>
           <p:cNvSpPr txBox="1"/>
           <p:nvPr>
             <p:ph idx="12" type="sldNum"/>
@@ -26204,7 +26357,7 @@
       </p:sp>
       <p:pic>
         <p:nvPicPr>
-          <p:cNvPr id="272" name="Google Shape;272;p16"/>
+          <p:cNvPr id="277" name="Google Shape;277;p16"/>
           <p:cNvPicPr preferRelativeResize="0"/>
           <p:nvPr/>
         </p:nvPicPr>
@@ -26231,7 +26384,7 @@
       </p:pic>
       <p:sp>
         <p:nvSpPr>
-          <p:cNvPr id="273" name="Google Shape;273;p16"/>
+          <p:cNvPr id="278" name="Google Shape;278;p16"/>
           <p:cNvSpPr/>
           <p:nvPr/>
         </p:nvSpPr>
@@ -26287,7 +26440,7 @@
       </p:sp>
       <p:sp>
         <p:nvSpPr>
-          <p:cNvPr id="274" name="Google Shape;274;p16"/>
+          <p:cNvPr id="279" name="Google Shape;279;p16"/>
           <p:cNvSpPr txBox="1"/>
           <p:nvPr/>
         </p:nvSpPr>
@@ -26384,7 +26537,7 @@
       </p:sp>
       <p:sp>
         <p:nvSpPr>
-          <p:cNvPr id="275" name="Google Shape;275;p16"/>
+          <p:cNvPr id="280" name="Google Shape;280;p16"/>
           <p:cNvSpPr/>
           <p:nvPr/>
         </p:nvSpPr>
@@ -26440,7 +26593,7 @@
       </p:sp>
       <p:pic>
         <p:nvPicPr>
-          <p:cNvPr id="276" name="Google Shape;276;p16"/>
+          <p:cNvPr id="281" name="Google Shape;281;p16"/>
           <p:cNvPicPr preferRelativeResize="0"/>
           <p:nvPr/>
         </p:nvPicPr>
@@ -26473,12 +26626,12 @@
 </p:sld>
 </file>
 
-<file path=ppt/slides/slide14.xml><?xml version="1.0" encoding="utf-8"?>
+<file path=ppt/slides/slide15.xml><?xml version="1.0" encoding="utf-8"?>
 <p:sld xmlns:a="http://schemas.openxmlformats.org/drawingml/2006/main" xmlns:r="http://schemas.openxmlformats.org/officeDocument/2006/relationships" xmlns:mc="http://schemas.openxmlformats.org/markup-compatibility/2006" xmlns:mv="urn:schemas-microsoft-com:mac:vml" xmlns:p="http://schemas.openxmlformats.org/presentationml/2006/main" xmlns:c="http://schemas.openxmlformats.org/drawingml/2006/chart" xmlns:dgm="http://schemas.openxmlformats.org/drawingml/2006/diagram" xmlns:o="urn:schemas-microsoft-com:office:office" xmlns:v="urn:schemas-microsoft-com:vml" xmlns:pvml="urn:schemas-microsoft-com:office:powerpoint" xmlns:com="http://schemas.openxmlformats.org/drawingml/2006/compatibility" xmlns:p14="http://schemas.microsoft.com/office/powerpoint/2010/main" xmlns:p15="http://schemas.microsoft.com/office/powerpoint/2012/main" xmlns:ahyp="http://schemas.microsoft.com/office/drawing/2018/hyperlinkcolor">
   <p:cSld>
     <p:spTree>
       <p:nvGrpSpPr>
-        <p:cNvPr id="280" name="Shape 280"/>
+        <p:cNvPr id="285" name="Shape 285"/>
         <p:cNvGrpSpPr/>
         <p:nvPr/>
       </p:nvGrpSpPr>
@@ -26492,7 +26645,7 @@
       </p:grpSpPr>
       <p:sp>
         <p:nvSpPr>
-          <p:cNvPr id="281" name="Google Shape;281;p17"/>
+          <p:cNvPr id="286" name="Google Shape;286;p17"/>
           <p:cNvSpPr txBox="1"/>
           <p:nvPr>
             <p:ph type="title"/>
@@ -26560,7 +26713,7 @@
       </p:sp>
       <p:pic>
         <p:nvPicPr>
-          <p:cNvPr id="282" name="Google Shape;282;p17"/>
+          <p:cNvPr id="287" name="Google Shape;287;p17"/>
           <p:cNvPicPr preferRelativeResize="0"/>
           <p:nvPr/>
         </p:nvPicPr>
@@ -26574,8 +26727,8 @@
         </p:blipFill>
         <p:spPr>
           <a:xfrm>
-            <a:off x="3005200" y="2359618"/>
-            <a:ext cx="18373599" cy="9824400"/>
+            <a:off x="3527475" y="2359619"/>
+            <a:ext cx="17329050" cy="9621601"/>
           </a:xfrm>
           <a:prstGeom prst="rect">
             <a:avLst/>
@@ -26594,12 +26747,12 @@
 </p:sld>
 </file>
 
-<file path=ppt/slides/slide15.xml><?xml version="1.0" encoding="utf-8"?>
+<file path=ppt/slides/slide16.xml><?xml version="1.0" encoding="utf-8"?>
 <p:sld xmlns:a="http://schemas.openxmlformats.org/drawingml/2006/main" xmlns:r="http://schemas.openxmlformats.org/officeDocument/2006/relationships" xmlns:mc="http://schemas.openxmlformats.org/markup-compatibility/2006" xmlns:mv="urn:schemas-microsoft-com:mac:vml" xmlns:p="http://schemas.openxmlformats.org/presentationml/2006/main" xmlns:c="http://schemas.openxmlformats.org/drawingml/2006/chart" xmlns:dgm="http://schemas.openxmlformats.org/drawingml/2006/diagram" xmlns:o="urn:schemas-microsoft-com:office:office" xmlns:v="urn:schemas-microsoft-com:vml" xmlns:pvml="urn:schemas-microsoft-com:office:powerpoint" xmlns:com="http://schemas.openxmlformats.org/drawingml/2006/compatibility" xmlns:p14="http://schemas.microsoft.com/office/powerpoint/2010/main" xmlns:p15="http://schemas.microsoft.com/office/powerpoint/2012/main" xmlns:ahyp="http://schemas.microsoft.com/office/drawing/2018/hyperlinkcolor">
   <p:cSld>
     <p:spTree>
       <p:nvGrpSpPr>
-        <p:cNvPr id="286" name="Shape 286"/>
+        <p:cNvPr id="291" name="Shape 291"/>
         <p:cNvGrpSpPr/>
         <p:nvPr/>
       </p:nvGrpSpPr>
@@ -26613,7 +26766,7 @@
       </p:grpSpPr>
       <p:sp>
         <p:nvSpPr>
-          <p:cNvPr id="287" name="Google Shape;287;p18"/>
+          <p:cNvPr id="292" name="Google Shape;292;p18"/>
           <p:cNvSpPr txBox="1"/>
           <p:nvPr/>
         </p:nvSpPr>
@@ -26674,7 +26827,7 @@
       </p:sp>
       <p:pic>
         <p:nvPicPr>
-          <p:cNvPr id="288" name="Google Shape;288;p18"/>
+          <p:cNvPr id="293" name="Google Shape;293;p18"/>
           <p:cNvPicPr preferRelativeResize="0"/>
           <p:nvPr/>
         </p:nvPicPr>
@@ -26688,8 +26841,8 @@
         </p:blipFill>
         <p:spPr>
           <a:xfrm>
-            <a:off x="2890663" y="2039613"/>
-            <a:ext cx="18602674" cy="9946875"/>
+            <a:off x="3747300" y="2039630"/>
+            <a:ext cx="16889400" cy="9905801"/>
           </a:xfrm>
           <a:prstGeom prst="rect">
             <a:avLst/>
@@ -26708,12 +26861,12 @@
 </p:sld>
 </file>
 
-<file path=ppt/slides/slide16.xml><?xml version="1.0" encoding="utf-8"?>
+<file path=ppt/slides/slide17.xml><?xml version="1.0" encoding="utf-8"?>
 <p:sld xmlns:a="http://schemas.openxmlformats.org/drawingml/2006/main" xmlns:r="http://schemas.openxmlformats.org/officeDocument/2006/relationships" xmlns:mc="http://schemas.openxmlformats.org/markup-compatibility/2006" xmlns:mv="urn:schemas-microsoft-com:mac:vml" xmlns:p="http://schemas.openxmlformats.org/presentationml/2006/main" xmlns:c="http://schemas.openxmlformats.org/drawingml/2006/chart" xmlns:dgm="http://schemas.openxmlformats.org/drawingml/2006/diagram" xmlns:o="urn:schemas-microsoft-com:office:office" xmlns:v="urn:schemas-microsoft-com:vml" xmlns:pvml="urn:schemas-microsoft-com:office:powerpoint" xmlns:com="http://schemas.openxmlformats.org/drawingml/2006/compatibility" xmlns:p14="http://schemas.microsoft.com/office/powerpoint/2010/main" xmlns:p15="http://schemas.microsoft.com/office/powerpoint/2012/main" xmlns:ahyp="http://schemas.microsoft.com/office/drawing/2018/hyperlinkcolor">
   <p:cSld>
     <p:spTree>
       <p:nvGrpSpPr>
-        <p:cNvPr id="292" name="Shape 292"/>
+        <p:cNvPr id="297" name="Shape 297"/>
         <p:cNvGrpSpPr/>
         <p:nvPr/>
       </p:nvGrpSpPr>
@@ -26727,7 +26880,7 @@
       </p:grpSpPr>
       <p:sp>
         <p:nvSpPr>
-          <p:cNvPr id="293" name="Google Shape;293;p19"/>
+          <p:cNvPr id="298" name="Google Shape;298;p19"/>
           <p:cNvSpPr txBox="1"/>
           <p:nvPr>
             <p:ph type="title"/>
@@ -26787,7 +26940,7 @@
       </p:sp>
       <p:pic>
         <p:nvPicPr>
-          <p:cNvPr id="294" name="Google Shape;294;p19"/>
+          <p:cNvPr id="299" name="Google Shape;299;p19"/>
           <p:cNvPicPr preferRelativeResize="0"/>
           <p:nvPr/>
         </p:nvPicPr>
@@ -26801,8 +26954,8 @@
         </p:blipFill>
         <p:spPr>
           <a:xfrm>
-            <a:off x="2510500" y="1932322"/>
-            <a:ext cx="19363001" cy="9851350"/>
+            <a:off x="2956025" y="2170736"/>
+            <a:ext cx="18471951" cy="9374524"/>
           </a:xfrm>
           <a:prstGeom prst="rect">
             <a:avLst/>
@@ -29922,44 +30075,44 @@
 </file>
 
 <file path=ppt/theme/theme1.xml><?xml version="1.0" encoding="utf-8"?>
-<a:theme xmlns:a="http://schemas.openxmlformats.org/drawingml/2006/main" xmlns:r="http://schemas.openxmlformats.org/officeDocument/2006/relationships">
+<a:theme xmlns:a="http://schemas.openxmlformats.org/drawingml/2006/main" xmlns:r="http://schemas.openxmlformats.org/officeDocument/2006/relationships" name="main_4c_parent">
   <a:themeElements>
-    <a:clrScheme name="Default">
+    <a:clrScheme name="SMLT_COLOURS">
       <a:dk1>
-        <a:srgbClr val="000000"/>
+        <a:srgbClr val="FEFFFE"/>
       </a:dk1>
       <a:lt1>
-        <a:srgbClr val="FFFFFF"/>
+        <a:srgbClr val="007FFF"/>
       </a:lt1>
       <a:dk2>
-        <a:srgbClr val="158158"/>
+        <a:srgbClr val="007FFF"/>
       </a:dk2>
       <a:lt2>
-        <a:srgbClr val="F3F3F3"/>
+        <a:srgbClr val="FEFFFE"/>
       </a:lt2>
       <a:accent1>
-        <a:srgbClr val="058DC7"/>
+        <a:srgbClr val="499EFA"/>
       </a:accent1>
       <a:accent2>
-        <a:srgbClr val="50B432"/>
+        <a:srgbClr val="8DC1FC"/>
       </a:accent2>
       <a:accent3>
-        <a:srgbClr val="ED561B"/>
+        <a:srgbClr val="B1B2B1"/>
       </a:accent3>
       <a:accent4>
-        <a:srgbClr val="EDEF00"/>
+        <a:srgbClr val="DB113A"/>
       </a:accent4>
       <a:accent5>
-        <a:srgbClr val="24CBE5"/>
+        <a:srgbClr val="FECB02"/>
       </a:accent5>
       <a:accent6>
-        <a:srgbClr val="64E572"/>
+        <a:srgbClr val="000000"/>
       </a:accent6>
       <a:hlink>
-        <a:srgbClr val="2200CC"/>
+        <a:srgbClr val="007FFF"/>
       </a:hlink>
       <a:folHlink>
-        <a:srgbClr val="551A8B"/>
+        <a:srgbClr val="007FFF"/>
       </a:folHlink>
     </a:clrScheme>
     <a:fontScheme name="Office">
@@ -30480,44 +30633,44 @@
 </file>
 
 <file path=ppt/theme/theme3.xml><?xml version="1.0" encoding="utf-8"?>
-<a:theme xmlns:a="http://schemas.openxmlformats.org/drawingml/2006/main" xmlns:r="http://schemas.openxmlformats.org/officeDocument/2006/relationships" name="main_4c_parent">
+<a:theme xmlns:a="http://schemas.openxmlformats.org/drawingml/2006/main" xmlns:r="http://schemas.openxmlformats.org/officeDocument/2006/relationships">
   <a:themeElements>
-    <a:clrScheme name="SMLT_COLOURS">
+    <a:clrScheme name="Default">
       <a:dk1>
-        <a:srgbClr val="FEFFFE"/>
+        <a:srgbClr val="000000"/>
       </a:dk1>
       <a:lt1>
-        <a:srgbClr val="007FFF"/>
+        <a:srgbClr val="FFFFFF"/>
       </a:lt1>
       <a:dk2>
-        <a:srgbClr val="007FFF"/>
+        <a:srgbClr val="158158"/>
       </a:dk2>
       <a:lt2>
-        <a:srgbClr val="FEFFFE"/>
+        <a:srgbClr val="F3F3F3"/>
       </a:lt2>
       <a:accent1>
-        <a:srgbClr val="499EFA"/>
+        <a:srgbClr val="058DC7"/>
       </a:accent1>
       <a:accent2>
-        <a:srgbClr val="8DC1FC"/>
+        <a:srgbClr val="50B432"/>
       </a:accent2>
       <a:accent3>
-        <a:srgbClr val="B1B2B1"/>
+        <a:srgbClr val="ED561B"/>
       </a:accent3>
       <a:accent4>
-        <a:srgbClr val="DB113A"/>
+        <a:srgbClr val="EDEF00"/>
       </a:accent4>
       <a:accent5>
-        <a:srgbClr val="FECB02"/>
+        <a:srgbClr val="24CBE5"/>
       </a:accent5>
       <a:accent6>
-        <a:srgbClr val="000000"/>
+        <a:srgbClr val="64E572"/>
       </a:accent6>
       <a:hlink>
-        <a:srgbClr val="007FFF"/>
+        <a:srgbClr val="2200CC"/>
       </a:hlink>
       <a:folHlink>
-        <a:srgbClr val="007FFF"/>
+        <a:srgbClr val="551A8B"/>
       </a:folHlink>
     </a:clrScheme>
     <a:fontScheme name="Office">
